--- a/기획서/그래픽/Level Desgin/기획서_맵 레벨디자인1.3.0ver.pptx
+++ b/기획서/그래픽/Level Desgin/기획서_맵 레벨디자인1.3.0ver.pptx
@@ -251,7 +251,7 @@
           <a:p>
             <a:fld id="{A06BEBC9-9D7F-4E45-8DD9-C2FE47D9C232}" type="datetimeFigureOut">
               <a:rPr lang="ko-KR" altLang="en-US" smtClean="0"/>
-              <a:t>2018-01-04</a:t>
+              <a:t>2018-01-09</a:t>
             </a:fld>
             <a:endParaRPr lang="ko-KR" altLang="en-US"/>
           </a:p>
@@ -421,7 +421,7 @@
           <a:p>
             <a:fld id="{A06BEBC9-9D7F-4E45-8DD9-C2FE47D9C232}" type="datetimeFigureOut">
               <a:rPr lang="ko-KR" altLang="en-US" smtClean="0"/>
-              <a:t>2018-01-04</a:t>
+              <a:t>2018-01-09</a:t>
             </a:fld>
             <a:endParaRPr lang="ko-KR" altLang="en-US"/>
           </a:p>
@@ -601,7 +601,7 @@
           <a:p>
             <a:fld id="{A06BEBC9-9D7F-4E45-8DD9-C2FE47D9C232}" type="datetimeFigureOut">
               <a:rPr lang="ko-KR" altLang="en-US" smtClean="0"/>
-              <a:t>2018-01-04</a:t>
+              <a:t>2018-01-09</a:t>
             </a:fld>
             <a:endParaRPr lang="ko-KR" altLang="en-US"/>
           </a:p>
@@ -771,7 +771,7 @@
           <a:p>
             <a:fld id="{A06BEBC9-9D7F-4E45-8DD9-C2FE47D9C232}" type="datetimeFigureOut">
               <a:rPr lang="ko-KR" altLang="en-US" smtClean="0"/>
-              <a:t>2018-01-04</a:t>
+              <a:t>2018-01-09</a:t>
             </a:fld>
             <a:endParaRPr lang="ko-KR" altLang="en-US"/>
           </a:p>
@@ -1015,7 +1015,7 @@
           <a:p>
             <a:fld id="{A06BEBC9-9D7F-4E45-8DD9-C2FE47D9C232}" type="datetimeFigureOut">
               <a:rPr lang="ko-KR" altLang="en-US" smtClean="0"/>
-              <a:t>2018-01-04</a:t>
+              <a:t>2018-01-09</a:t>
             </a:fld>
             <a:endParaRPr lang="ko-KR" altLang="en-US"/>
           </a:p>
@@ -1247,7 +1247,7 @@
           <a:p>
             <a:fld id="{A06BEBC9-9D7F-4E45-8DD9-C2FE47D9C232}" type="datetimeFigureOut">
               <a:rPr lang="ko-KR" altLang="en-US" smtClean="0"/>
-              <a:t>2018-01-04</a:t>
+              <a:t>2018-01-09</a:t>
             </a:fld>
             <a:endParaRPr lang="ko-KR" altLang="en-US"/>
           </a:p>
@@ -1614,7 +1614,7 @@
           <a:p>
             <a:fld id="{A06BEBC9-9D7F-4E45-8DD9-C2FE47D9C232}" type="datetimeFigureOut">
               <a:rPr lang="ko-KR" altLang="en-US" smtClean="0"/>
-              <a:t>2018-01-04</a:t>
+              <a:t>2018-01-09</a:t>
             </a:fld>
             <a:endParaRPr lang="ko-KR" altLang="en-US"/>
           </a:p>
@@ -1732,7 +1732,7 @@
           <a:p>
             <a:fld id="{A06BEBC9-9D7F-4E45-8DD9-C2FE47D9C232}" type="datetimeFigureOut">
               <a:rPr lang="ko-KR" altLang="en-US" smtClean="0"/>
-              <a:t>2018-01-04</a:t>
+              <a:t>2018-01-09</a:t>
             </a:fld>
             <a:endParaRPr lang="ko-KR" altLang="en-US"/>
           </a:p>
@@ -1827,7 +1827,7 @@
           <a:p>
             <a:fld id="{A06BEBC9-9D7F-4E45-8DD9-C2FE47D9C232}" type="datetimeFigureOut">
               <a:rPr lang="ko-KR" altLang="en-US" smtClean="0"/>
-              <a:t>2018-01-04</a:t>
+              <a:t>2018-01-09</a:t>
             </a:fld>
             <a:endParaRPr lang="ko-KR" altLang="en-US"/>
           </a:p>
@@ -2104,7 +2104,7 @@
           <a:p>
             <a:fld id="{A06BEBC9-9D7F-4E45-8DD9-C2FE47D9C232}" type="datetimeFigureOut">
               <a:rPr lang="ko-KR" altLang="en-US" smtClean="0"/>
-              <a:t>2018-01-04</a:t>
+              <a:t>2018-01-09</a:t>
             </a:fld>
             <a:endParaRPr lang="ko-KR" altLang="en-US"/>
           </a:p>
@@ -2361,7 +2361,7 @@
           <a:p>
             <a:fld id="{A06BEBC9-9D7F-4E45-8DD9-C2FE47D9C232}" type="datetimeFigureOut">
               <a:rPr lang="ko-KR" altLang="en-US" smtClean="0"/>
-              <a:t>2018-01-04</a:t>
+              <a:t>2018-01-09</a:t>
             </a:fld>
             <a:endParaRPr lang="ko-KR" altLang="en-US"/>
           </a:p>
@@ -2574,7 +2574,7 @@
           <a:p>
             <a:fld id="{A06BEBC9-9D7F-4E45-8DD9-C2FE47D9C232}" type="datetimeFigureOut">
               <a:rPr lang="ko-KR" altLang="en-US" smtClean="0"/>
-              <a:t>2018-01-04</a:t>
+              <a:t>2018-01-09</a:t>
             </a:fld>
             <a:endParaRPr lang="ko-KR" altLang="en-US"/>
           </a:p>
@@ -8400,8 +8400,8 @@
           </p:nvSpPr>
           <p:spPr>
             <a:xfrm>
-              <a:off x="-28419960" y="5037054"/>
-              <a:ext cx="3600000" cy="3600000"/>
+              <a:off x="-29956391" y="5037051"/>
+              <a:ext cx="3600000" cy="3599999"/>
             </a:xfrm>
             <a:prstGeom prst="plaque">
               <a:avLst/>
@@ -8451,8 +8451,8 @@
           </p:nvSpPr>
           <p:spPr>
             <a:xfrm>
-              <a:off x="37309404" y="5037054"/>
-              <a:ext cx="3600000" cy="3600000"/>
+              <a:off x="38990619" y="5037051"/>
+              <a:ext cx="3600000" cy="3599999"/>
             </a:xfrm>
             <a:prstGeom prst="plaque">
               <a:avLst/>
